--- a/PoS Systems.pptx
+++ b/PoS Systems.pptx
@@ -5,26 +5,27 @@
     <p:sldMasterId id="2147483648" r:id="rId1"/>
   </p:sldMasterIdLst>
   <p:notesMasterIdLst>
-    <p:notesMasterId r:id="rId19"/>
+    <p:notesMasterId r:id="rId20"/>
   </p:notesMasterIdLst>
   <p:sldIdLst>
     <p:sldId id="256" r:id="rId2"/>
     <p:sldId id="257" r:id="rId3"/>
     <p:sldId id="258" r:id="rId4"/>
-    <p:sldId id="261" r:id="rId5"/>
-    <p:sldId id="272" r:id="rId6"/>
-    <p:sldId id="273" r:id="rId7"/>
-    <p:sldId id="260" r:id="rId8"/>
-    <p:sldId id="275" r:id="rId9"/>
-    <p:sldId id="264" r:id="rId10"/>
-    <p:sldId id="268" r:id="rId11"/>
-    <p:sldId id="263" r:id="rId12"/>
-    <p:sldId id="274" r:id="rId13"/>
-    <p:sldId id="270" r:id="rId14"/>
-    <p:sldId id="265" r:id="rId15"/>
-    <p:sldId id="266" r:id="rId16"/>
-    <p:sldId id="267" r:id="rId17"/>
-    <p:sldId id="269" r:id="rId18"/>
+    <p:sldId id="276" r:id="rId5"/>
+    <p:sldId id="261" r:id="rId6"/>
+    <p:sldId id="272" r:id="rId7"/>
+    <p:sldId id="273" r:id="rId8"/>
+    <p:sldId id="260" r:id="rId9"/>
+    <p:sldId id="275" r:id="rId10"/>
+    <p:sldId id="264" r:id="rId11"/>
+    <p:sldId id="268" r:id="rId12"/>
+    <p:sldId id="263" r:id="rId13"/>
+    <p:sldId id="274" r:id="rId14"/>
+    <p:sldId id="270" r:id="rId15"/>
+    <p:sldId id="265" r:id="rId16"/>
+    <p:sldId id="266" r:id="rId17"/>
+    <p:sldId id="267" r:id="rId18"/>
+    <p:sldId id="269" r:id="rId19"/>
   </p:sldIdLst>
   <p:sldSz cx="12192000" cy="6858000"/>
   <p:notesSz cx="6858000" cy="9144000"/>
@@ -213,7 +214,7 @@
           <a:p>
             <a:fld id="{3DB06BA7-381A-4D10-825A-16E8F645428F}" type="datetimeFigureOut">
               <a:rPr lang="de-DE" smtClean="0"/>
-              <a:t>10.12.16</a:t>
+              <a:t>13.12.16</a:t>
             </a:fld>
             <a:endParaRPr lang="de-DE"/>
           </a:p>
@@ -565,6 +566,90 @@
 </p:notes>
 </file>
 
+<file path=ppt/notesSlides/notesSlide10.xml><?xml version="1.0" encoding="utf-8"?>
+<p:notes xmlns:a="http://schemas.openxmlformats.org/drawingml/2006/main" xmlns:r="http://schemas.openxmlformats.org/officeDocument/2006/relationships" xmlns:p="http://schemas.openxmlformats.org/presentationml/2006/main">
+  <p:cSld>
+    <p:spTree>
+      <p:nvGrpSpPr>
+        <p:cNvPr id="1" name=""/>
+        <p:cNvGrpSpPr/>
+        <p:nvPr/>
+      </p:nvGrpSpPr>
+      <p:grpSpPr>
+        <a:xfrm>
+          <a:off x="0" y="0"/>
+          <a:ext cx="0" cy="0"/>
+          <a:chOff x="0" y="0"/>
+          <a:chExt cx="0" cy="0"/>
+        </a:xfrm>
+      </p:grpSpPr>
+      <p:sp>
+        <p:nvSpPr>
+          <p:cNvPr id="2" name="Folienbildplatzhalter 1"/>
+          <p:cNvSpPr>
+            <a:spLocks noGrp="1" noRot="1" noChangeAspect="1"/>
+          </p:cNvSpPr>
+          <p:nvPr>
+            <p:ph type="sldImg"/>
+          </p:nvPr>
+        </p:nvSpPr>
+        <p:spPr/>
+      </p:sp>
+      <p:sp>
+        <p:nvSpPr>
+          <p:cNvPr id="3" name="Notizenplatzhalter 2"/>
+          <p:cNvSpPr>
+            <a:spLocks noGrp="1"/>
+          </p:cNvSpPr>
+          <p:nvPr>
+            <p:ph type="body" idx="1"/>
+          </p:nvPr>
+        </p:nvSpPr>
+        <p:spPr/>
+        <p:txBody>
+          <a:bodyPr/>
+          <a:lstStyle/>
+          <a:p>
+            <a:endParaRPr lang="de-DE" baseline="0" dirty="0" smtClean="0"/>
+          </a:p>
+        </p:txBody>
+      </p:sp>
+      <p:sp>
+        <p:nvSpPr>
+          <p:cNvPr id="4" name="Foliennummernplatzhalter 3"/>
+          <p:cNvSpPr>
+            <a:spLocks noGrp="1"/>
+          </p:cNvSpPr>
+          <p:nvPr>
+            <p:ph type="sldNum" sz="quarter" idx="10"/>
+          </p:nvPr>
+        </p:nvSpPr>
+        <p:spPr/>
+        <p:txBody>
+          <a:bodyPr/>
+          <a:lstStyle/>
+          <a:p>
+            <a:fld id="{C2415190-59D7-434A-B55F-D8B7E5DBC0E3}" type="slidenum">
+              <a:rPr lang="de-DE" smtClean="0"/>
+              <a:t>13</a:t>
+            </a:fld>
+            <a:endParaRPr lang="de-DE"/>
+          </a:p>
+        </p:txBody>
+      </p:sp>
+    </p:spTree>
+    <p:extLst>
+      <p:ext uri="{BB962C8B-B14F-4D97-AF65-F5344CB8AC3E}">
+        <p14:creationId xmlns:p14="http://schemas.microsoft.com/office/powerpoint/2010/main" val="3031078528"/>
+      </p:ext>
+    </p:extLst>
+  </p:cSld>
+  <p:clrMapOvr>
+    <a:masterClrMapping/>
+  </p:clrMapOvr>
+</p:notes>
+</file>
+
 <file path=ppt/notesSlides/notesSlide2.xml><?xml version="1.0" encoding="utf-8"?>
 <p:notes xmlns:a="http://schemas.openxmlformats.org/drawingml/2006/main" xmlns:r="http://schemas.openxmlformats.org/officeDocument/2006/relationships" xmlns:p="http://schemas.openxmlformats.org/presentationml/2006/main">
   <p:cSld>
@@ -719,23 +804,27 @@
           <a:p>
             <a:r>
               <a:rPr lang="de-DE" dirty="0" smtClean="0"/>
-              <a:t>-Projektmethodik</a:t>
-            </a:r>
-          </a:p>
-          <a:p>
-            <a:r>
-              <a:rPr lang="de-DE" dirty="0" smtClean="0"/>
-              <a:t>-Horizontal: Zeit</a:t>
+              <a:t>- Mehr Informationen sind dem Software</a:t>
             </a:r>
             <a:r>
               <a:rPr lang="de-DE" baseline="0" dirty="0" smtClean="0"/>
-              <a:t> &amp; (Lebens-)Abschnitt während des Projekts</a:t>
-            </a:r>
-          </a:p>
-          <a:p>
+              <a:t>-</a:t>
+            </a:r>
+            <a:r>
+              <a:rPr lang="de-DE" baseline="0" dirty="0" err="1" smtClean="0"/>
+              <a:t>Requirement</a:t>
+            </a:r>
             <a:r>
               <a:rPr lang="de-DE" baseline="0" dirty="0" smtClean="0"/>
-              <a:t>-Vertikal: Logische Gruppierung von Arbeitsfeldern</a:t>
+              <a:t>-</a:t>
+            </a:r>
+            <a:r>
+              <a:rPr lang="de-DE" baseline="0" dirty="0" err="1" smtClean="0"/>
+              <a:t>Specification-Document</a:t>
+            </a:r>
+            <a:r>
+              <a:rPr lang="de-DE" baseline="0" dirty="0" smtClean="0"/>
+              <a:t> zu entnehmen</a:t>
             </a:r>
             <a:endParaRPr lang="de-DE" dirty="0"/>
           </a:p>
@@ -767,7 +856,7 @@
     </p:spTree>
     <p:extLst>
       <p:ext uri="{BB962C8B-B14F-4D97-AF65-F5344CB8AC3E}">
-        <p14:creationId xmlns:p14="http://schemas.microsoft.com/office/powerpoint/2010/main" val="4120438206"/>
+        <p14:creationId xmlns:p14="http://schemas.microsoft.com/office/powerpoint/2010/main" val="3413316184"/>
       </p:ext>
     </p:extLst>
   </p:cSld>
@@ -823,17 +912,23 @@
           <a:p>
             <a:r>
               <a:rPr lang="de-DE" dirty="0" smtClean="0"/>
-              <a:t>-Microsoft</a:t>
+              <a:t>-Projektmethodik</a:t>
+            </a:r>
+          </a:p>
+          <a:p>
+            <a:r>
+              <a:rPr lang="de-DE" dirty="0" smtClean="0"/>
+              <a:t>-Horizontal: Zeit</a:t>
             </a:r>
             <a:r>
               <a:rPr lang="de-DE" baseline="0" dirty="0" smtClean="0"/>
-              <a:t> Project</a:t>
+              <a:t> &amp; (Lebens-)Abschnitt während des Projekts</a:t>
             </a:r>
           </a:p>
           <a:p>
             <a:r>
               <a:rPr lang="de-DE" baseline="0" dirty="0" smtClean="0"/>
-              <a:t>-Inhalt ist dem Gantt-Diagramm zu entnehmen</a:t>
+              <a:t>-Vertikal: Logische Gruppierung von Arbeitsfeldern</a:t>
             </a:r>
             <a:endParaRPr lang="de-DE" dirty="0"/>
           </a:p>
@@ -865,7 +960,7 @@
     </p:spTree>
     <p:extLst>
       <p:ext uri="{BB962C8B-B14F-4D97-AF65-F5344CB8AC3E}">
-        <p14:creationId xmlns:p14="http://schemas.microsoft.com/office/powerpoint/2010/main" val="740487069"/>
+        <p14:creationId xmlns:p14="http://schemas.microsoft.com/office/powerpoint/2010/main" val="4120438206"/>
       </p:ext>
     </p:extLst>
   </p:cSld>
@@ -921,26 +1016,19 @@
           <a:p>
             <a:r>
               <a:rPr lang="de-DE" dirty="0" smtClean="0"/>
-              <a:t>-</a:t>
-            </a:r>
-            <a:r>
-              <a:rPr lang="de-DE" dirty="0" err="1" smtClean="0"/>
-              <a:t>Scrum</a:t>
-            </a:r>
-            <a:r>
-              <a:rPr lang="de-DE" dirty="0" smtClean="0"/>
-              <a:t>: Agile Softwareentwicklung, wenig Bürokratie</a:t>
-            </a:r>
-          </a:p>
-          <a:p>
-            <a:r>
-              <a:rPr lang="de-DE" dirty="0" smtClean="0"/>
-              <a:t>-Iteratives</a:t>
+              <a:t>-Microsoft</a:t>
             </a:r>
             <a:r>
               <a:rPr lang="de-DE" baseline="0" dirty="0" smtClean="0"/>
-              <a:t> Vorgehen</a:t>
-            </a:r>
+              <a:t> Project</a:t>
+            </a:r>
+          </a:p>
+          <a:p>
+            <a:r>
+              <a:rPr lang="de-DE" baseline="0" dirty="0" smtClean="0"/>
+              <a:t>-Inhalt ist dem Gantt-Diagramm zu entnehmen</a:t>
+            </a:r>
+            <a:endParaRPr lang="de-DE" dirty="0"/>
           </a:p>
         </p:txBody>
       </p:sp>
@@ -970,7 +1058,7 @@
     </p:spTree>
     <p:extLst>
       <p:ext uri="{BB962C8B-B14F-4D97-AF65-F5344CB8AC3E}">
-        <p14:creationId xmlns:p14="http://schemas.microsoft.com/office/powerpoint/2010/main" val="1010026076"/>
+        <p14:creationId xmlns:p14="http://schemas.microsoft.com/office/powerpoint/2010/main" val="740487069"/>
       </p:ext>
     </p:extLst>
   </p:cSld>
@@ -1026,25 +1114,26 @@
           <a:p>
             <a:r>
               <a:rPr lang="de-DE" dirty="0" smtClean="0"/>
-              <a:t>-Grau:</a:t>
+              <a:t>-</a:t>
+            </a:r>
+            <a:r>
+              <a:rPr lang="de-DE" dirty="0" err="1" smtClean="0"/>
+              <a:t>Scrum</a:t>
+            </a:r>
+            <a:r>
+              <a:rPr lang="de-DE" dirty="0" smtClean="0"/>
+              <a:t>: Agile Softwareentwicklung, wenig Bürokratie</a:t>
+            </a:r>
+          </a:p>
+          <a:p>
+            <a:r>
+              <a:rPr lang="de-DE" dirty="0" smtClean="0"/>
+              <a:t>-Iteratives</a:t>
             </a:r>
             <a:r>
               <a:rPr lang="de-DE" baseline="0" dirty="0" smtClean="0"/>
-              <a:t> Richtlinie</a:t>
-            </a:r>
-          </a:p>
-          <a:p>
-            <a:r>
-              <a:rPr lang="de-DE" baseline="0" dirty="0" smtClean="0"/>
-              <a:t>-Grün: Arbeitszeit</a:t>
-            </a:r>
-          </a:p>
-          <a:p>
-            <a:r>
-              <a:rPr lang="de-DE" baseline="0" dirty="0" smtClean="0"/>
-              <a:t>-Rot: Verbleibende Arbeitszeit</a:t>
-            </a:r>
-            <a:endParaRPr lang="de-DE" dirty="0"/>
+              <a:t> Vorgehen</a:t>
+            </a:r>
           </a:p>
         </p:txBody>
       </p:sp>
@@ -1074,7 +1163,7 @@
     </p:spTree>
     <p:extLst>
       <p:ext uri="{BB962C8B-B14F-4D97-AF65-F5344CB8AC3E}">
-        <p14:creationId xmlns:p14="http://schemas.microsoft.com/office/powerpoint/2010/main" val="2169676804"/>
+        <p14:creationId xmlns:p14="http://schemas.microsoft.com/office/powerpoint/2010/main" val="1010026076"/>
       </p:ext>
     </p:extLst>
   </p:cSld>
@@ -1129,9 +1218,26 @@
           <a:lstStyle/>
           <a:p>
             <a:r>
+              <a:rPr lang="de-DE" dirty="0" smtClean="0"/>
+              <a:t>-Grau:</a:t>
+            </a:r>
+            <a:r>
               <a:rPr lang="de-DE" baseline="0" dirty="0" smtClean="0"/>
-              <a:t>-Spring</a:t>
-            </a:r>
+              <a:t> Richtlinie</a:t>
+            </a:r>
+          </a:p>
+          <a:p>
+            <a:r>
+              <a:rPr lang="de-DE" baseline="0" dirty="0" smtClean="0"/>
+              <a:t>-Grün: Arbeitszeit</a:t>
+            </a:r>
+          </a:p>
+          <a:p>
+            <a:r>
+              <a:rPr lang="de-DE" baseline="0" dirty="0" smtClean="0"/>
+              <a:t>-Rot: Verbleibende Arbeitszeit</a:t>
+            </a:r>
+            <a:endParaRPr lang="de-DE" dirty="0"/>
           </a:p>
         </p:txBody>
       </p:sp>
@@ -1161,7 +1267,7 @@
     </p:spTree>
     <p:extLst>
       <p:ext uri="{BB962C8B-B14F-4D97-AF65-F5344CB8AC3E}">
-        <p14:creationId xmlns:p14="http://schemas.microsoft.com/office/powerpoint/2010/main" val="551312087"/>
+        <p14:creationId xmlns:p14="http://schemas.microsoft.com/office/powerpoint/2010/main" val="2169676804"/>
       </p:ext>
     </p:extLst>
   </p:cSld>
@@ -1216,10 +1322,9 @@
           <a:lstStyle/>
           <a:p>
             <a:r>
-              <a:rPr lang="de-DE" dirty="0" smtClean="0"/>
-              <a:t>-MVC (Model-View-Controller)</a:t>
-            </a:r>
-            <a:endParaRPr lang="de-DE" dirty="0"/>
+              <a:rPr lang="de-DE" baseline="0" dirty="0" smtClean="0"/>
+              <a:t>-Spring</a:t>
+            </a:r>
           </a:p>
         </p:txBody>
       </p:sp>
@@ -1249,7 +1354,7 @@
     </p:spTree>
     <p:extLst>
       <p:ext uri="{BB962C8B-B14F-4D97-AF65-F5344CB8AC3E}">
-        <p14:creationId xmlns:p14="http://schemas.microsoft.com/office/powerpoint/2010/main" val="2372552223"/>
+        <p14:creationId xmlns:p14="http://schemas.microsoft.com/office/powerpoint/2010/main" val="551312087"/>
       </p:ext>
     </p:extLst>
   </p:cSld>
@@ -1303,7 +1408,11 @@
           <a:bodyPr/>
           <a:lstStyle/>
           <a:p>
-            <a:endParaRPr lang="de-DE" baseline="0" dirty="0" smtClean="0"/>
+            <a:r>
+              <a:rPr lang="de-DE" dirty="0" smtClean="0"/>
+              <a:t>-MVC (Model-View-Controller)</a:t>
+            </a:r>
+            <a:endParaRPr lang="de-DE" dirty="0"/>
           </a:p>
         </p:txBody>
       </p:sp>
@@ -1324,7 +1433,7 @@
           <a:p>
             <a:fld id="{C2415190-59D7-434A-B55F-D8B7E5DBC0E3}" type="slidenum">
               <a:rPr lang="de-DE" smtClean="0"/>
-              <a:t>12</a:t>
+              <a:t>10</a:t>
             </a:fld>
             <a:endParaRPr lang="de-DE"/>
           </a:p>
@@ -1333,7 +1442,7 @@
     </p:spTree>
     <p:extLst>
       <p:ext uri="{BB962C8B-B14F-4D97-AF65-F5344CB8AC3E}">
-        <p14:creationId xmlns:p14="http://schemas.microsoft.com/office/powerpoint/2010/main" val="3031078528"/>
+        <p14:creationId xmlns:p14="http://schemas.microsoft.com/office/powerpoint/2010/main" val="2372552223"/>
       </p:ext>
     </p:extLst>
   </p:cSld>
@@ -1474,7 +1583,7 @@
           <a:p>
             <a:fld id="{B86DC28B-D7C5-45E8-934E-0595E279900F}" type="datetimeFigureOut">
               <a:rPr lang="de-DE" smtClean="0"/>
-              <a:t>10.12.16</a:t>
+              <a:t>13.12.16</a:t>
             </a:fld>
             <a:endParaRPr lang="de-DE"/>
           </a:p>
@@ -1644,7 +1753,7 @@
           <a:p>
             <a:fld id="{B86DC28B-D7C5-45E8-934E-0595E279900F}" type="datetimeFigureOut">
               <a:rPr lang="de-DE" smtClean="0"/>
-              <a:t>10.12.16</a:t>
+              <a:t>13.12.16</a:t>
             </a:fld>
             <a:endParaRPr lang="de-DE"/>
           </a:p>
@@ -1824,7 +1933,7 @@
           <a:p>
             <a:fld id="{B86DC28B-D7C5-45E8-934E-0595E279900F}" type="datetimeFigureOut">
               <a:rPr lang="de-DE" smtClean="0"/>
-              <a:t>10.12.16</a:t>
+              <a:t>13.12.16</a:t>
             </a:fld>
             <a:endParaRPr lang="de-DE"/>
           </a:p>
@@ -1994,7 +2103,7 @@
           <a:p>
             <a:fld id="{B86DC28B-D7C5-45E8-934E-0595E279900F}" type="datetimeFigureOut">
               <a:rPr lang="de-DE" smtClean="0"/>
-              <a:t>10.12.16</a:t>
+              <a:t>13.12.16</a:t>
             </a:fld>
             <a:endParaRPr lang="de-DE"/>
           </a:p>
@@ -2240,7 +2349,7 @@
           <a:p>
             <a:fld id="{B86DC28B-D7C5-45E8-934E-0595E279900F}" type="datetimeFigureOut">
               <a:rPr lang="de-DE" smtClean="0"/>
-              <a:t>10.12.16</a:t>
+              <a:t>13.12.16</a:t>
             </a:fld>
             <a:endParaRPr lang="de-DE"/>
           </a:p>
@@ -2472,7 +2581,7 @@
           <a:p>
             <a:fld id="{B86DC28B-D7C5-45E8-934E-0595E279900F}" type="datetimeFigureOut">
               <a:rPr lang="de-DE" smtClean="0"/>
-              <a:t>10.12.16</a:t>
+              <a:t>13.12.16</a:t>
             </a:fld>
             <a:endParaRPr lang="de-DE"/>
           </a:p>
@@ -2839,7 +2948,7 @@
           <a:p>
             <a:fld id="{B86DC28B-D7C5-45E8-934E-0595E279900F}" type="datetimeFigureOut">
               <a:rPr lang="de-DE" smtClean="0"/>
-              <a:t>10.12.16</a:t>
+              <a:t>13.12.16</a:t>
             </a:fld>
             <a:endParaRPr lang="de-DE"/>
           </a:p>
@@ -2957,7 +3066,7 @@
           <a:p>
             <a:fld id="{B86DC28B-D7C5-45E8-934E-0595E279900F}" type="datetimeFigureOut">
               <a:rPr lang="de-DE" smtClean="0"/>
-              <a:t>10.12.16</a:t>
+              <a:t>13.12.16</a:t>
             </a:fld>
             <a:endParaRPr lang="de-DE"/>
           </a:p>
@@ -3052,7 +3161,7 @@
           <a:p>
             <a:fld id="{B86DC28B-D7C5-45E8-934E-0595E279900F}" type="datetimeFigureOut">
               <a:rPr lang="de-DE" smtClean="0"/>
-              <a:t>10.12.16</a:t>
+              <a:t>13.12.16</a:t>
             </a:fld>
             <a:endParaRPr lang="de-DE"/>
           </a:p>
@@ -3329,7 +3438,7 @@
           <a:p>
             <a:fld id="{B86DC28B-D7C5-45E8-934E-0595E279900F}" type="datetimeFigureOut">
               <a:rPr lang="de-DE" smtClean="0"/>
-              <a:t>10.12.16</a:t>
+              <a:t>13.12.16</a:t>
             </a:fld>
             <a:endParaRPr lang="de-DE"/>
           </a:p>
@@ -3582,7 +3691,7 @@
           <a:p>
             <a:fld id="{B86DC28B-D7C5-45E8-934E-0595E279900F}" type="datetimeFigureOut">
               <a:rPr lang="de-DE" smtClean="0"/>
-              <a:t>10.12.16</a:t>
+              <a:t>13.12.16</a:t>
             </a:fld>
             <a:endParaRPr lang="de-DE"/>
           </a:p>
@@ -3795,7 +3904,7 @@
           <a:p>
             <a:fld id="{B86DC28B-D7C5-45E8-934E-0595E279900F}" type="datetimeFigureOut">
               <a:rPr lang="de-DE" smtClean="0"/>
-              <a:t>10.12.16</a:t>
+              <a:t>13.12.16</a:t>
             </a:fld>
             <a:endParaRPr lang="de-DE"/>
           </a:p>
@@ -4326,26 +4435,54 @@
             <a:spLocks noGrp="1"/>
           </p:cNvSpPr>
           <p:nvPr>
-            <p:ph type="ctrTitle"/>
-          </p:nvPr>
-        </p:nvSpPr>
-        <p:spPr/>
-        <p:txBody>
-          <a:bodyPr/>
-          <a:lstStyle/>
-          <a:p>
+            <p:ph type="title"/>
+          </p:nvPr>
+        </p:nvSpPr>
+        <p:spPr/>
+        <p:txBody>
+          <a:bodyPr/>
+          <a:lstStyle/>
+          <a:p>
+            <a:pPr algn="ctr"/>
             <a:r>
               <a:rPr lang="de-DE" b="1" dirty="0" err="1" smtClean="0"/>
-              <a:t>Hibernate</a:t>
+              <a:t>Architecture</a:t>
             </a:r>
             <a:endParaRPr lang="de-DE" b="1" dirty="0"/>
           </a:p>
         </p:txBody>
       </p:sp>
+      <p:pic>
+        <p:nvPicPr>
+          <p:cNvPr id="5" name="Inhaltsplatzhalter 4"/>
+          <p:cNvPicPr>
+            <a:picLocks noGrp="1"/>
+          </p:cNvPicPr>
+          <p:nvPr>
+            <p:ph idx="1"/>
+          </p:nvPr>
+        </p:nvPicPr>
+        <p:blipFill>
+          <a:blip r:embed="rId3"/>
+          <a:stretch/>
+        </p:blipFill>
+        <p:spPr>
+          <a:xfrm>
+            <a:off x="838200" y="1690688"/>
+            <a:ext cx="10515600" cy="4346555"/>
+          </a:xfrm>
+          <a:prstGeom prst="rect">
+            <a:avLst/>
+          </a:prstGeom>
+          <a:ln>
+            <a:noFill/>
+          </a:ln>
+        </p:spPr>
+      </p:pic>
     </p:spTree>
     <p:extLst>
       <p:ext uri="{BB962C8B-B14F-4D97-AF65-F5344CB8AC3E}">
-        <p14:creationId xmlns:p14="http://schemas.microsoft.com/office/powerpoint/2010/main" val="169342181"/>
+        <p14:creationId xmlns:p14="http://schemas.microsoft.com/office/powerpoint/2010/main" val="2073399730"/>
       </p:ext>
     </p:extLst>
   </p:cSld>
@@ -4379,58 +4516,26 @@
             <a:spLocks noGrp="1"/>
           </p:cNvSpPr>
           <p:nvPr>
-            <p:ph type="title"/>
-          </p:nvPr>
-        </p:nvSpPr>
-        <p:spPr/>
-        <p:txBody>
-          <a:bodyPr/>
-          <a:lstStyle/>
-          <a:p>
-            <a:pPr algn="ctr"/>
-            <a:r>
-              <a:rPr lang="de-DE" b="1" dirty="0" smtClean="0"/>
-              <a:t>Class </a:t>
-            </a:r>
+            <p:ph type="ctrTitle"/>
+          </p:nvPr>
+        </p:nvSpPr>
+        <p:spPr/>
+        <p:txBody>
+          <a:bodyPr/>
+          <a:lstStyle/>
+          <a:p>
             <a:r>
               <a:rPr lang="de-DE" b="1" dirty="0" err="1" smtClean="0"/>
-              <a:t>Diagram</a:t>
+              <a:t>Hibernate</a:t>
             </a:r>
             <a:endParaRPr lang="de-DE" b="1" dirty="0"/>
-          </a:p>
-        </p:txBody>
-      </p:sp>
-      <p:sp>
-        <p:nvSpPr>
-          <p:cNvPr id="3" name="Inhaltsplatzhalter 2"/>
-          <p:cNvSpPr>
-            <a:spLocks noGrp="1"/>
-          </p:cNvSpPr>
-          <p:nvPr>
-            <p:ph idx="1"/>
-          </p:nvPr>
-        </p:nvSpPr>
-        <p:spPr/>
-        <p:txBody>
-          <a:bodyPr/>
-          <a:lstStyle/>
-          <a:p>
-            <a:r>
-              <a:rPr lang="de-DE" dirty="0" smtClean="0"/>
-              <a:t>Bild </a:t>
-            </a:r>
-            <a:r>
-              <a:rPr lang="de-DE" dirty="0" smtClean="0"/>
-              <a:t>Klassendiagram</a:t>
-            </a:r>
-            <a:endParaRPr lang="de-DE" dirty="0"/>
           </a:p>
         </p:txBody>
       </p:sp>
     </p:spTree>
     <p:extLst>
       <p:ext uri="{BB962C8B-B14F-4D97-AF65-F5344CB8AC3E}">
-        <p14:creationId xmlns:p14="http://schemas.microsoft.com/office/powerpoint/2010/main" val="4276831284"/>
+        <p14:creationId xmlns:p14="http://schemas.microsoft.com/office/powerpoint/2010/main" val="169342181"/>
       </p:ext>
     </p:extLst>
   </p:cSld>
@@ -4459,31 +4564,344 @@
       </p:grpSpPr>
       <p:sp>
         <p:nvSpPr>
-          <p:cNvPr id="8" name="Titel 7"/>
-          <p:cNvSpPr>
-            <a:spLocks noGrp="1"/>
-          </p:cNvSpPr>
-          <p:nvPr>
-            <p:ph type="ctrTitle"/>
-          </p:nvPr>
-        </p:nvSpPr>
-        <p:spPr/>
-        <p:txBody>
-          <a:bodyPr/>
-          <a:lstStyle/>
-          <a:p>
+          <p:cNvPr id="2" name="Titel 1"/>
+          <p:cNvSpPr>
+            <a:spLocks noGrp="1"/>
+          </p:cNvSpPr>
+          <p:nvPr>
+            <p:ph type="title"/>
+          </p:nvPr>
+        </p:nvSpPr>
+        <p:spPr/>
+        <p:txBody>
+          <a:bodyPr/>
+          <a:lstStyle/>
+          <a:p>
+            <a:pPr algn="ctr"/>
             <a:r>
               <a:rPr lang="de-DE" b="1" dirty="0" smtClean="0"/>
-              <a:t>Demo</a:t>
+              <a:t>Class </a:t>
+            </a:r>
+            <a:r>
+              <a:rPr lang="de-DE" b="1" dirty="0" err="1" smtClean="0"/>
+              <a:t>Diagram</a:t>
             </a:r>
             <a:endParaRPr lang="de-DE" b="1" dirty="0"/>
+          </a:p>
+        </p:txBody>
+      </p:sp>
+      <p:pic>
+        <p:nvPicPr>
+          <p:cNvPr id="4" name="Inhaltsplatzhalter 3"/>
+          <p:cNvPicPr>
+            <a:picLocks noGrp="1" noChangeAspect="1"/>
+          </p:cNvPicPr>
+          <p:nvPr>
+            <p:ph idx="1"/>
+          </p:nvPr>
+        </p:nvPicPr>
+        <p:blipFill>
+          <a:blip r:embed="rId2">
+            <a:extLst>
+              <a:ext uri="{28A0092B-C50C-407E-A947-70E740481C1C}">
+                <a14:useLocalDpi xmlns:a14="http://schemas.microsoft.com/office/drawing/2010/main" val="0"/>
+              </a:ext>
+            </a:extLst>
+          </a:blip>
+          <a:stretch>
+            <a:fillRect/>
+          </a:stretch>
+        </p:blipFill>
+        <p:spPr>
+          <a:xfrm>
+            <a:off x="5265300" y="1690688"/>
+            <a:ext cx="3588199" cy="4857958"/>
+          </a:xfrm>
+        </p:spPr>
+      </p:pic>
+      <p:sp>
+        <p:nvSpPr>
+          <p:cNvPr id="7" name="Rechteck 6"/>
+          <p:cNvSpPr/>
+          <p:nvPr/>
+        </p:nvSpPr>
+        <p:spPr>
+          <a:xfrm>
+            <a:off x="5123105" y="1556081"/>
+            <a:ext cx="1948542" cy="5127171"/>
+          </a:xfrm>
+          <a:prstGeom prst="rect">
+            <a:avLst/>
+          </a:prstGeom>
+          <a:noFill/>
+          <a:ln>
+            <a:solidFill>
+              <a:srgbClr val="00B050"/>
+            </a:solidFill>
+          </a:ln>
+        </p:spPr>
+        <p:style>
+          <a:lnRef idx="2">
+            <a:schemeClr val="accent1">
+              <a:shade val="50000"/>
+            </a:schemeClr>
+          </a:lnRef>
+          <a:fillRef idx="1">
+            <a:schemeClr val="accent1"/>
+          </a:fillRef>
+          <a:effectRef idx="0">
+            <a:schemeClr val="accent1"/>
+          </a:effectRef>
+          <a:fontRef idx="minor">
+            <a:schemeClr val="lt1"/>
+          </a:fontRef>
+        </p:style>
+        <p:txBody>
+          <a:bodyPr rtlCol="0" anchor="ctr"/>
+          <a:lstStyle/>
+          <a:p>
+            <a:pPr algn="ctr"/>
+            <a:endParaRPr lang="de-DE"/>
+          </a:p>
+        </p:txBody>
+      </p:sp>
+      <p:sp>
+        <p:nvSpPr>
+          <p:cNvPr id="8" name="Rechteck 7"/>
+          <p:cNvSpPr/>
+          <p:nvPr/>
+        </p:nvSpPr>
+        <p:spPr>
+          <a:xfrm>
+            <a:off x="7124715" y="1551214"/>
+            <a:ext cx="1986644" cy="5127171"/>
+          </a:xfrm>
+          <a:prstGeom prst="rect">
+            <a:avLst/>
+          </a:prstGeom>
+          <a:noFill/>
+          <a:ln>
+            <a:solidFill>
+              <a:schemeClr val="accent4">
+                <a:lumMod val="75000"/>
+              </a:schemeClr>
+            </a:solidFill>
+          </a:ln>
+        </p:spPr>
+        <p:style>
+          <a:lnRef idx="2">
+            <a:schemeClr val="accent1">
+              <a:shade val="50000"/>
+            </a:schemeClr>
+          </a:lnRef>
+          <a:fillRef idx="1">
+            <a:schemeClr val="accent1"/>
+          </a:fillRef>
+          <a:effectRef idx="0">
+            <a:schemeClr val="accent1"/>
+          </a:effectRef>
+          <a:fontRef idx="minor">
+            <a:schemeClr val="lt1"/>
+          </a:fontRef>
+        </p:style>
+        <p:txBody>
+          <a:bodyPr rtlCol="0" anchor="ctr"/>
+          <a:lstStyle/>
+          <a:p>
+            <a:pPr algn="ctr"/>
+            <a:endParaRPr lang="de-DE"/>
+          </a:p>
+        </p:txBody>
+      </p:sp>
+      <p:sp>
+        <p:nvSpPr>
+          <p:cNvPr id="9" name="Rechteck 8"/>
+          <p:cNvSpPr/>
+          <p:nvPr/>
+        </p:nvSpPr>
+        <p:spPr>
+          <a:xfrm>
+            <a:off x="3089511" y="1551214"/>
+            <a:ext cx="1986644" cy="5127171"/>
+          </a:xfrm>
+          <a:prstGeom prst="rect">
+            <a:avLst/>
+          </a:prstGeom>
+          <a:noFill/>
+          <a:ln>
+            <a:solidFill>
+              <a:srgbClr val="0070C0"/>
+            </a:solidFill>
+          </a:ln>
+        </p:spPr>
+        <p:style>
+          <a:lnRef idx="2">
+            <a:schemeClr val="accent1">
+              <a:shade val="50000"/>
+            </a:schemeClr>
+          </a:lnRef>
+          <a:fillRef idx="1">
+            <a:schemeClr val="accent1"/>
+          </a:fillRef>
+          <a:effectRef idx="0">
+            <a:schemeClr val="accent1"/>
+          </a:effectRef>
+          <a:fontRef idx="minor">
+            <a:schemeClr val="lt1"/>
+          </a:fontRef>
+        </p:style>
+        <p:txBody>
+          <a:bodyPr rtlCol="0" anchor="ctr"/>
+          <a:lstStyle/>
+          <a:p>
+            <a:pPr algn="ctr"/>
+            <a:endParaRPr lang="de-DE"/>
+          </a:p>
+        </p:txBody>
+      </p:sp>
+      <p:sp>
+        <p:nvSpPr>
+          <p:cNvPr id="10" name="Textfeld 9"/>
+          <p:cNvSpPr txBox="1"/>
+          <p:nvPr/>
+        </p:nvSpPr>
+        <p:spPr>
+          <a:xfrm>
+            <a:off x="3266389" y="3935000"/>
+            <a:ext cx="1632888" cy="461665"/>
+          </a:xfrm>
+          <a:prstGeom prst="rect">
+            <a:avLst/>
+          </a:prstGeom>
+          <a:noFill/>
+        </p:spPr>
+        <p:txBody>
+          <a:bodyPr wrap="square" rtlCol="0">
+            <a:spAutoFit/>
+          </a:bodyPr>
+          <a:lstStyle/>
+          <a:p>
+            <a:pPr algn="ctr"/>
+            <a:r>
+              <a:rPr lang="de-DE" sz="2400" dirty="0" smtClean="0"/>
+              <a:t>.</a:t>
+            </a:r>
+            <a:r>
+              <a:rPr lang="de-DE" sz="2400" dirty="0" err="1" smtClean="0"/>
+              <a:t>xhtml</a:t>
+            </a:r>
+            <a:endParaRPr lang="de-DE" sz="2400" dirty="0"/>
+          </a:p>
+        </p:txBody>
+      </p:sp>
+      <p:sp>
+        <p:nvSpPr>
+          <p:cNvPr id="11" name="Textfeld 10"/>
+          <p:cNvSpPr txBox="1"/>
+          <p:nvPr/>
+        </p:nvSpPr>
+        <p:spPr>
+          <a:xfrm>
+            <a:off x="847070" y="2387848"/>
+            <a:ext cx="1111202" cy="369332"/>
+          </a:xfrm>
+          <a:prstGeom prst="rect">
+            <a:avLst/>
+          </a:prstGeom>
+          <a:noFill/>
+          <a:ln>
+            <a:solidFill>
+              <a:schemeClr val="accent4">
+                <a:lumMod val="75000"/>
+              </a:schemeClr>
+            </a:solidFill>
+          </a:ln>
+        </p:spPr>
+        <p:txBody>
+          <a:bodyPr wrap="none" rtlCol="0">
+            <a:spAutoFit/>
+          </a:bodyPr>
+          <a:lstStyle/>
+          <a:p>
+            <a:r>
+              <a:rPr lang="de-DE" dirty="0" smtClean="0"/>
+              <a:t>Model      </a:t>
+            </a:r>
+          </a:p>
+        </p:txBody>
+      </p:sp>
+      <p:sp>
+        <p:nvSpPr>
+          <p:cNvPr id="12" name="Textfeld 11"/>
+          <p:cNvSpPr txBox="1"/>
+          <p:nvPr/>
+        </p:nvSpPr>
+        <p:spPr>
+          <a:xfrm>
+            <a:off x="847070" y="1969531"/>
+            <a:ext cx="1126206" cy="369332"/>
+          </a:xfrm>
+          <a:prstGeom prst="rect">
+            <a:avLst/>
+          </a:prstGeom>
+          <a:noFill/>
+          <a:ln>
+            <a:solidFill>
+              <a:srgbClr val="00B050"/>
+            </a:solidFill>
+          </a:ln>
+        </p:spPr>
+        <p:txBody>
+          <a:bodyPr wrap="none" rtlCol="0">
+            <a:spAutoFit/>
+          </a:bodyPr>
+          <a:lstStyle/>
+          <a:p>
+            <a:r>
+              <a:rPr lang="de-DE" dirty="0" smtClean="0"/>
+              <a:t>Controller</a:t>
+            </a:r>
+          </a:p>
+        </p:txBody>
+      </p:sp>
+      <p:sp>
+        <p:nvSpPr>
+          <p:cNvPr id="13" name="Textfeld 12"/>
+          <p:cNvSpPr txBox="1"/>
+          <p:nvPr/>
+        </p:nvSpPr>
+        <p:spPr>
+          <a:xfrm>
+            <a:off x="847070" y="1551214"/>
+            <a:ext cx="1124475" cy="369332"/>
+          </a:xfrm>
+          <a:prstGeom prst="rect">
+            <a:avLst/>
+          </a:prstGeom>
+          <a:noFill/>
+          <a:ln>
+            <a:solidFill>
+              <a:srgbClr val="0070C0"/>
+            </a:solidFill>
+          </a:ln>
+        </p:spPr>
+        <p:txBody>
+          <a:bodyPr wrap="none" rtlCol="0">
+            <a:spAutoFit/>
+          </a:bodyPr>
+          <a:lstStyle/>
+          <a:p>
+            <a:r>
+              <a:rPr lang="de-DE" dirty="0" smtClean="0"/>
+              <a:t>View         </a:t>
+            </a:r>
           </a:p>
         </p:txBody>
       </p:sp>
     </p:spTree>
     <p:extLst>
       <p:ext uri="{BB962C8B-B14F-4D97-AF65-F5344CB8AC3E}">
-        <p14:creationId xmlns:p14="http://schemas.microsoft.com/office/powerpoint/2010/main" val="3409142664"/>
+        <p14:creationId xmlns:p14="http://schemas.microsoft.com/office/powerpoint/2010/main" val="4276831284"/>
       </p:ext>
     </p:extLst>
   </p:cSld>
@@ -4512,7 +4930,7 @@
       </p:grpSpPr>
       <p:sp>
         <p:nvSpPr>
-          <p:cNvPr id="2" name="Titel 1"/>
+          <p:cNvPr id="8" name="Titel 7"/>
           <p:cNvSpPr>
             <a:spLocks noGrp="1"/>
           </p:cNvSpPr>
@@ -4527,7 +4945,7 @@
           <a:p>
             <a:r>
               <a:rPr lang="de-DE" b="1" dirty="0" smtClean="0"/>
-              <a:t>Automation</a:t>
+              <a:t>Demo</a:t>
             </a:r>
             <a:endParaRPr lang="de-DE" b="1" dirty="0"/>
           </a:p>
@@ -4536,7 +4954,7 @@
     </p:spTree>
     <p:extLst>
       <p:ext uri="{BB962C8B-B14F-4D97-AF65-F5344CB8AC3E}">
-        <p14:creationId xmlns:p14="http://schemas.microsoft.com/office/powerpoint/2010/main" val="3106107155"/>
+        <p14:creationId xmlns:p14="http://schemas.microsoft.com/office/powerpoint/2010/main" val="3409142664"/>
       </p:ext>
     </p:extLst>
   </p:cSld>
@@ -4570,50 +4988,26 @@
             <a:spLocks noGrp="1"/>
           </p:cNvSpPr>
           <p:nvPr>
-            <p:ph type="title"/>
-          </p:nvPr>
-        </p:nvSpPr>
-        <p:spPr/>
-        <p:txBody>
-          <a:bodyPr/>
-          <a:lstStyle/>
-          <a:p>
-            <a:pPr algn="ctr"/>
-            <a:r>
-              <a:rPr lang="de-DE" b="1" dirty="0" err="1" smtClean="0"/>
-              <a:t>Testing</a:t>
+            <p:ph type="ctrTitle"/>
+          </p:nvPr>
+        </p:nvSpPr>
+        <p:spPr/>
+        <p:txBody>
+          <a:bodyPr/>
+          <a:lstStyle/>
+          <a:p>
+            <a:r>
+              <a:rPr lang="de-DE" b="1" dirty="0" smtClean="0"/>
+              <a:t>Automation</a:t>
             </a:r>
             <a:endParaRPr lang="de-DE" b="1" dirty="0"/>
-          </a:p>
-        </p:txBody>
-      </p:sp>
-      <p:sp>
-        <p:nvSpPr>
-          <p:cNvPr id="4" name="Inhaltsplatzhalter 3"/>
-          <p:cNvSpPr>
-            <a:spLocks noGrp="1"/>
-          </p:cNvSpPr>
-          <p:nvPr>
-            <p:ph idx="1"/>
-          </p:nvPr>
-        </p:nvSpPr>
-        <p:spPr/>
-        <p:txBody>
-          <a:bodyPr/>
-          <a:lstStyle/>
-          <a:p>
-            <a:r>
-              <a:rPr lang="de-DE" dirty="0" smtClean="0"/>
-              <a:t>Video</a:t>
-            </a:r>
-            <a:endParaRPr lang="de-DE" dirty="0"/>
           </a:p>
         </p:txBody>
       </p:sp>
     </p:spTree>
     <p:extLst>
       <p:ext uri="{BB962C8B-B14F-4D97-AF65-F5344CB8AC3E}">
-        <p14:creationId xmlns:p14="http://schemas.microsoft.com/office/powerpoint/2010/main" val="4127367482"/>
+        <p14:creationId xmlns:p14="http://schemas.microsoft.com/office/powerpoint/2010/main" val="3106107155"/>
       </p:ext>
     </p:extLst>
   </p:cSld>
@@ -4647,30 +5041,50 @@
             <a:spLocks noGrp="1"/>
           </p:cNvSpPr>
           <p:nvPr>
-            <p:ph type="ctrTitle"/>
-          </p:nvPr>
-        </p:nvSpPr>
-        <p:spPr/>
-        <p:txBody>
-          <a:bodyPr/>
-          <a:lstStyle/>
-          <a:p>
+            <p:ph type="title"/>
+          </p:nvPr>
+        </p:nvSpPr>
+        <p:spPr/>
+        <p:txBody>
+          <a:bodyPr/>
+          <a:lstStyle/>
+          <a:p>
+            <a:pPr algn="ctr"/>
             <a:r>
               <a:rPr lang="de-DE" b="1" dirty="0" err="1" smtClean="0"/>
-              <a:t>Git</a:t>
-            </a:r>
-            <a:r>
-              <a:rPr lang="de-DE" b="1" dirty="0" smtClean="0"/>
-              <a:t> Hub</a:t>
+              <a:t>Testing</a:t>
             </a:r>
             <a:endParaRPr lang="de-DE" b="1" dirty="0"/>
+          </a:p>
+        </p:txBody>
+      </p:sp>
+      <p:sp>
+        <p:nvSpPr>
+          <p:cNvPr id="4" name="Inhaltsplatzhalter 3"/>
+          <p:cNvSpPr>
+            <a:spLocks noGrp="1"/>
+          </p:cNvSpPr>
+          <p:nvPr>
+            <p:ph idx="1"/>
+          </p:nvPr>
+        </p:nvSpPr>
+        <p:spPr/>
+        <p:txBody>
+          <a:bodyPr/>
+          <a:lstStyle/>
+          <a:p>
+            <a:r>
+              <a:rPr lang="de-DE" dirty="0" smtClean="0"/>
+              <a:t>Video</a:t>
+            </a:r>
+            <a:endParaRPr lang="de-DE" dirty="0"/>
           </a:p>
         </p:txBody>
       </p:sp>
     </p:spTree>
     <p:extLst>
       <p:ext uri="{BB962C8B-B14F-4D97-AF65-F5344CB8AC3E}">
-        <p14:creationId xmlns:p14="http://schemas.microsoft.com/office/powerpoint/2010/main" val="4288850994"/>
+        <p14:creationId xmlns:p14="http://schemas.microsoft.com/office/powerpoint/2010/main" val="4127367482"/>
       </p:ext>
     </p:extLst>
   </p:cSld>
@@ -4713,8 +5127,12 @@
           <a:lstStyle/>
           <a:p>
             <a:r>
+              <a:rPr lang="de-DE" b="1" dirty="0" err="1" smtClean="0"/>
+              <a:t>Git</a:t>
+            </a:r>
+            <a:r>
               <a:rPr lang="de-DE" b="1" dirty="0" smtClean="0"/>
-              <a:t>Blog</a:t>
+              <a:t> Hub</a:t>
             </a:r>
             <a:endParaRPr lang="de-DE" b="1" dirty="0"/>
           </a:p>
@@ -4723,7 +5141,7 @@
     </p:spTree>
     <p:extLst>
       <p:ext uri="{BB962C8B-B14F-4D97-AF65-F5344CB8AC3E}">
-        <p14:creationId xmlns:p14="http://schemas.microsoft.com/office/powerpoint/2010/main" val="3899165902"/>
+        <p14:creationId xmlns:p14="http://schemas.microsoft.com/office/powerpoint/2010/main" val="4288850994"/>
       </p:ext>
     </p:extLst>
   </p:cSld>
@@ -4766,6 +5184,59 @@
           <a:lstStyle/>
           <a:p>
             <a:r>
+              <a:rPr lang="de-DE" b="1" dirty="0" smtClean="0"/>
+              <a:t>Blog</a:t>
+            </a:r>
+            <a:endParaRPr lang="de-DE" b="1" dirty="0"/>
+          </a:p>
+        </p:txBody>
+      </p:sp>
+    </p:spTree>
+    <p:extLst>
+      <p:ext uri="{BB962C8B-B14F-4D97-AF65-F5344CB8AC3E}">
+        <p14:creationId xmlns:p14="http://schemas.microsoft.com/office/powerpoint/2010/main" val="3899165902"/>
+      </p:ext>
+    </p:extLst>
+  </p:cSld>
+  <p:clrMapOvr>
+    <a:masterClrMapping/>
+  </p:clrMapOvr>
+</p:sld>
+</file>
+
+<file path=ppt/slides/slide18.xml><?xml version="1.0" encoding="utf-8"?>
+<p:sld xmlns:a="http://schemas.openxmlformats.org/drawingml/2006/main" xmlns:r="http://schemas.openxmlformats.org/officeDocument/2006/relationships" xmlns:p="http://schemas.openxmlformats.org/presentationml/2006/main">
+  <p:cSld>
+    <p:spTree>
+      <p:nvGrpSpPr>
+        <p:cNvPr id="1" name=""/>
+        <p:cNvGrpSpPr/>
+        <p:nvPr/>
+      </p:nvGrpSpPr>
+      <p:grpSpPr>
+        <a:xfrm>
+          <a:off x="0" y="0"/>
+          <a:ext cx="0" cy="0"/>
+          <a:chOff x="0" y="0"/>
+          <a:chExt cx="0" cy="0"/>
+        </a:xfrm>
+      </p:grpSpPr>
+      <p:sp>
+        <p:nvSpPr>
+          <p:cNvPr id="2" name="Titel 1"/>
+          <p:cNvSpPr>
+            <a:spLocks noGrp="1"/>
+          </p:cNvSpPr>
+          <p:nvPr>
+            <p:ph type="ctrTitle"/>
+          </p:nvPr>
+        </p:nvSpPr>
+        <p:spPr/>
+        <p:txBody>
+          <a:bodyPr/>
+          <a:lstStyle/>
+          <a:p>
+            <a:r>
               <a:rPr lang="de-DE" b="1" dirty="0" err="1" smtClean="0"/>
               <a:t>Visions</a:t>
             </a:r>
@@ -4787,11 +5258,7 @@
             </a:r>
             <a:r>
               <a:rPr lang="de-DE" b="1" dirty="0" smtClean="0"/>
-              <a:t> F</a:t>
-            </a:r>
-            <a:r>
-              <a:rPr lang="de-DE" b="1" dirty="0" smtClean="0"/>
-              <a:t>uture</a:t>
+              <a:t> Future</a:t>
             </a:r>
             <a:endParaRPr lang="de-DE" b="1" dirty="0"/>
           </a:p>
@@ -4912,41 +5379,32 @@
           </a:p>
         </p:txBody>
       </p:sp>
-      <p:sp>
-        <p:nvSpPr>
-          <p:cNvPr id="3" name="Inhaltsplatzhalter 2"/>
-          <p:cNvSpPr>
-            <a:spLocks noGrp="1"/>
-          </p:cNvSpPr>
+      <p:pic>
+        <p:nvPicPr>
+          <p:cNvPr id="5" name="Inhaltsplatzhalter 4"/>
+          <p:cNvPicPr>
+            <a:picLocks noGrp="1" noChangeAspect="1"/>
+          </p:cNvPicPr>
           <p:nvPr>
             <p:ph idx="1"/>
           </p:nvPr>
-        </p:nvSpPr>
-        <p:spPr/>
-        <p:txBody>
-          <a:bodyPr/>
-          <a:lstStyle/>
-          <a:p>
-            <a:r>
-              <a:rPr lang="de-DE" dirty="0" smtClean="0"/>
-              <a:t>Bild </a:t>
-            </a:r>
-            <a:r>
-              <a:rPr lang="de-DE" dirty="0" err="1" smtClean="0"/>
-              <a:t>Use</a:t>
-            </a:r>
-            <a:r>
-              <a:rPr lang="de-DE" dirty="0" smtClean="0"/>
-              <a:t> Case </a:t>
-            </a:r>
-            <a:r>
-              <a:rPr lang="de-DE" dirty="0" err="1" smtClean="0"/>
-              <a:t>Diagram</a:t>
-            </a:r>
-            <a:endParaRPr lang="de-DE" dirty="0"/>
-          </a:p>
-        </p:txBody>
-      </p:sp>
+        </p:nvPicPr>
+        <p:blipFill>
+          <a:blip r:embed="rId3"/>
+          <a:stretch>
+            <a:fillRect/>
+          </a:stretch>
+        </p:blipFill>
+        <p:spPr>
+          <a:xfrm>
+            <a:off x="1853608" y="1425194"/>
+            <a:ext cx="8484784" cy="5018901"/>
+          </a:xfrm>
+          <a:prstGeom prst="rect">
+            <a:avLst/>
+          </a:prstGeom>
+        </p:spPr>
+      </p:pic>
     </p:spTree>
     <p:extLst>
       <p:ext uri="{BB962C8B-B14F-4D97-AF65-F5344CB8AC3E}">
@@ -4961,6 +5419,94 @@
 </file>
 
 <file path=ppt/slides/slide4.xml><?xml version="1.0" encoding="utf-8"?>
+<p:sld xmlns:a="http://schemas.openxmlformats.org/drawingml/2006/main" xmlns:r="http://schemas.openxmlformats.org/officeDocument/2006/relationships" xmlns:p="http://schemas.openxmlformats.org/presentationml/2006/main">
+  <p:cSld>
+    <p:spTree>
+      <p:nvGrpSpPr>
+        <p:cNvPr id="1" name=""/>
+        <p:cNvGrpSpPr/>
+        <p:nvPr/>
+      </p:nvGrpSpPr>
+      <p:grpSpPr>
+        <a:xfrm>
+          <a:off x="0" y="0"/>
+          <a:ext cx="0" cy="0"/>
+          <a:chOff x="0" y="0"/>
+          <a:chExt cx="0" cy="0"/>
+        </a:xfrm>
+      </p:grpSpPr>
+      <p:sp>
+        <p:nvSpPr>
+          <p:cNvPr id="2" name="Titel 1"/>
+          <p:cNvSpPr>
+            <a:spLocks noGrp="1"/>
+          </p:cNvSpPr>
+          <p:nvPr>
+            <p:ph type="title"/>
+          </p:nvPr>
+        </p:nvSpPr>
+        <p:spPr/>
+        <p:txBody>
+          <a:bodyPr/>
+          <a:lstStyle/>
+          <a:p>
+            <a:pPr algn="ctr"/>
+            <a:r>
+              <a:rPr lang="de-DE" b="1" dirty="0" err="1" smtClean="0"/>
+              <a:t>Use</a:t>
+            </a:r>
+            <a:r>
+              <a:rPr lang="de-DE" b="1" dirty="0" smtClean="0"/>
+              <a:t> Case </a:t>
+            </a:r>
+            <a:r>
+              <a:rPr lang="de-DE" b="1" dirty="0" err="1" smtClean="0"/>
+              <a:t>Diagram</a:t>
+            </a:r>
+            <a:endParaRPr lang="de-DE" b="1" dirty="0"/>
+          </a:p>
+        </p:txBody>
+      </p:sp>
+      <p:pic>
+        <p:nvPicPr>
+          <p:cNvPr id="4" name="Inhaltsplatzhalter 3"/>
+          <p:cNvPicPr>
+            <a:picLocks noGrp="1" noChangeAspect="1"/>
+          </p:cNvPicPr>
+          <p:nvPr>
+            <p:ph idx="1"/>
+          </p:nvPr>
+        </p:nvPicPr>
+        <p:blipFill>
+          <a:blip r:embed="rId3"/>
+          <a:stretch>
+            <a:fillRect/>
+          </a:stretch>
+        </p:blipFill>
+        <p:spPr>
+          <a:xfrm>
+            <a:off x="1284116" y="1508793"/>
+            <a:ext cx="9623767" cy="4908336"/>
+          </a:xfrm>
+          <a:prstGeom prst="rect">
+            <a:avLst/>
+          </a:prstGeom>
+        </p:spPr>
+      </p:pic>
+    </p:spTree>
+    <p:extLst>
+      <p:ext uri="{BB962C8B-B14F-4D97-AF65-F5344CB8AC3E}">
+        <p14:creationId xmlns:p14="http://schemas.microsoft.com/office/powerpoint/2010/main" val="3663407424"/>
+      </p:ext>
+    </p:extLst>
+  </p:cSld>
+  <p:clrMapOvr>
+    <a:masterClrMapping/>
+  </p:clrMapOvr>
+</p:sld>
+</file>
+
+<file path=ppt/slides/slide5.xml><?xml version="1.0" encoding="utf-8"?>
 <p:sld xmlns:a="http://schemas.openxmlformats.org/drawingml/2006/main" xmlns:r="http://schemas.openxmlformats.org/officeDocument/2006/relationships" xmlns:p="http://schemas.openxmlformats.org/presentationml/2006/main">
   <p:cSld>
     <p:spTree>
@@ -5065,63 +5611,6 @@
 </p:sld>
 </file>
 
-<file path=ppt/slides/slide5.xml><?xml version="1.0" encoding="utf-8"?>
-<p:sld xmlns:a="http://schemas.openxmlformats.org/drawingml/2006/main" xmlns:r="http://schemas.openxmlformats.org/officeDocument/2006/relationships" xmlns:p="http://schemas.openxmlformats.org/presentationml/2006/main">
-  <p:cSld>
-    <p:spTree>
-      <p:nvGrpSpPr>
-        <p:cNvPr id="1" name=""/>
-        <p:cNvGrpSpPr/>
-        <p:nvPr/>
-      </p:nvGrpSpPr>
-      <p:grpSpPr>
-        <a:xfrm>
-          <a:off x="0" y="0"/>
-          <a:ext cx="0" cy="0"/>
-          <a:chOff x="0" y="0"/>
-          <a:chExt cx="0" cy="0"/>
-        </a:xfrm>
-      </p:grpSpPr>
-      <p:sp>
-        <p:nvSpPr>
-          <p:cNvPr id="8" name="Titel 7"/>
-          <p:cNvSpPr>
-            <a:spLocks noGrp="1"/>
-          </p:cNvSpPr>
-          <p:nvPr>
-            <p:ph type="ctrTitle"/>
-          </p:nvPr>
-        </p:nvSpPr>
-        <p:spPr/>
-        <p:txBody>
-          <a:bodyPr/>
-          <a:lstStyle/>
-          <a:p>
-            <a:r>
-              <a:rPr lang="de-DE" b="1" dirty="0" smtClean="0"/>
-              <a:t>Long-Term </a:t>
-            </a:r>
-            <a:r>
-              <a:rPr lang="de-DE" b="1" dirty="0" err="1" smtClean="0"/>
-              <a:t>Planning</a:t>
-            </a:r>
-            <a:endParaRPr lang="de-DE" b="1" dirty="0"/>
-          </a:p>
-        </p:txBody>
-      </p:sp>
-    </p:spTree>
-    <p:extLst>
-      <p:ext uri="{BB962C8B-B14F-4D97-AF65-F5344CB8AC3E}">
-        <p14:creationId xmlns:p14="http://schemas.microsoft.com/office/powerpoint/2010/main" val="3647020188"/>
-      </p:ext>
-    </p:extLst>
-  </p:cSld>
-  <p:clrMapOvr>
-    <a:masterClrMapping/>
-  </p:clrMapOvr>
-</p:sld>
-</file>
-
 <file path=ppt/slides/slide6.xml><?xml version="1.0" encoding="utf-8"?>
 <p:sld xmlns:a="http://schemas.openxmlformats.org/drawingml/2006/main" xmlns:r="http://schemas.openxmlformats.org/officeDocument/2006/relationships" xmlns:p="http://schemas.openxmlformats.org/presentationml/2006/main">
   <p:cSld>
@@ -5155,6 +5644,63 @@
           <a:lstStyle/>
           <a:p>
             <a:r>
+              <a:rPr lang="de-DE" b="1" dirty="0" smtClean="0"/>
+              <a:t>Long-Term </a:t>
+            </a:r>
+            <a:r>
+              <a:rPr lang="de-DE" b="1" dirty="0" err="1" smtClean="0"/>
+              <a:t>Planning</a:t>
+            </a:r>
+            <a:endParaRPr lang="de-DE" b="1" dirty="0"/>
+          </a:p>
+        </p:txBody>
+      </p:sp>
+    </p:spTree>
+    <p:extLst>
+      <p:ext uri="{BB962C8B-B14F-4D97-AF65-F5344CB8AC3E}">
+        <p14:creationId xmlns:p14="http://schemas.microsoft.com/office/powerpoint/2010/main" val="3647020188"/>
+      </p:ext>
+    </p:extLst>
+  </p:cSld>
+  <p:clrMapOvr>
+    <a:masterClrMapping/>
+  </p:clrMapOvr>
+</p:sld>
+</file>
+
+<file path=ppt/slides/slide7.xml><?xml version="1.0" encoding="utf-8"?>
+<p:sld xmlns:a="http://schemas.openxmlformats.org/drawingml/2006/main" xmlns:r="http://schemas.openxmlformats.org/officeDocument/2006/relationships" xmlns:p="http://schemas.openxmlformats.org/presentationml/2006/main">
+  <p:cSld>
+    <p:spTree>
+      <p:nvGrpSpPr>
+        <p:cNvPr id="1" name=""/>
+        <p:cNvGrpSpPr/>
+        <p:nvPr/>
+      </p:nvGrpSpPr>
+      <p:grpSpPr>
+        <a:xfrm>
+          <a:off x="0" y="0"/>
+          <a:ext cx="0" cy="0"/>
+          <a:chOff x="0" y="0"/>
+          <a:chExt cx="0" cy="0"/>
+        </a:xfrm>
+      </p:grpSpPr>
+      <p:sp>
+        <p:nvSpPr>
+          <p:cNvPr id="8" name="Titel 7"/>
+          <p:cNvSpPr>
+            <a:spLocks noGrp="1"/>
+          </p:cNvSpPr>
+          <p:nvPr>
+            <p:ph type="ctrTitle"/>
+          </p:nvPr>
+        </p:nvSpPr>
+        <p:spPr/>
+        <p:txBody>
+          <a:bodyPr/>
+          <a:lstStyle/>
+          <a:p>
+            <a:r>
               <a:rPr lang="de-DE" b="1" dirty="0" err="1" smtClean="0"/>
               <a:t>Scrumming</a:t>
             </a:r>
@@ -5183,7 +5729,7 @@
 </p:sld>
 </file>
 
-<file path=ppt/slides/slide7.xml><?xml version="1.0" encoding="utf-8"?>
+<file path=ppt/slides/slide8.xml><?xml version="1.0" encoding="utf-8"?>
 <p:sld xmlns:a="http://schemas.openxmlformats.org/drawingml/2006/main" xmlns:r="http://schemas.openxmlformats.org/officeDocument/2006/relationships" xmlns:p="http://schemas.openxmlformats.org/presentationml/2006/main">
   <p:cSld>
     <p:spTree>
@@ -5275,59 +5821,6 @@
 </p:sld>
 </file>
 
-<file path=ppt/slides/slide8.xml><?xml version="1.0" encoding="utf-8"?>
-<p:sld xmlns:a="http://schemas.openxmlformats.org/drawingml/2006/main" xmlns:r="http://schemas.openxmlformats.org/officeDocument/2006/relationships" xmlns:p="http://schemas.openxmlformats.org/presentationml/2006/main">
-  <p:cSld>
-    <p:spTree>
-      <p:nvGrpSpPr>
-        <p:cNvPr id="1" name=""/>
-        <p:cNvGrpSpPr/>
-        <p:nvPr/>
-      </p:nvGrpSpPr>
-      <p:grpSpPr>
-        <a:xfrm>
-          <a:off x="0" y="0"/>
-          <a:ext cx="0" cy="0"/>
-          <a:chOff x="0" y="0"/>
-          <a:chExt cx="0" cy="0"/>
-        </a:xfrm>
-      </p:grpSpPr>
-      <p:sp>
-        <p:nvSpPr>
-          <p:cNvPr id="8" name="Titel 7"/>
-          <p:cNvSpPr>
-            <a:spLocks noGrp="1"/>
-          </p:cNvSpPr>
-          <p:nvPr>
-            <p:ph type="ctrTitle"/>
-          </p:nvPr>
-        </p:nvSpPr>
-        <p:spPr/>
-        <p:txBody>
-          <a:bodyPr/>
-          <a:lstStyle/>
-          <a:p>
-            <a:r>
-              <a:rPr lang="de-DE" b="1" dirty="0" smtClean="0"/>
-              <a:t>Framework</a:t>
-            </a:r>
-            <a:endParaRPr lang="de-DE" b="1" dirty="0"/>
-          </a:p>
-        </p:txBody>
-      </p:sp>
-    </p:spTree>
-    <p:extLst>
-      <p:ext uri="{BB962C8B-B14F-4D97-AF65-F5344CB8AC3E}">
-        <p14:creationId xmlns:p14="http://schemas.microsoft.com/office/powerpoint/2010/main" val="1950578236"/>
-      </p:ext>
-    </p:extLst>
-  </p:cSld>
-  <p:clrMapOvr>
-    <a:masterClrMapping/>
-  </p:clrMapOvr>
-</p:sld>
-</file>
-
 <file path=ppt/slides/slide9.xml><?xml version="1.0" encoding="utf-8"?>
 <p:sld xmlns:a="http://schemas.openxmlformats.org/drawingml/2006/main" xmlns:r="http://schemas.openxmlformats.org/officeDocument/2006/relationships" xmlns:p="http://schemas.openxmlformats.org/presentationml/2006/main">
   <p:cSld>
@@ -5347,59 +5840,31 @@
       </p:grpSpPr>
       <p:sp>
         <p:nvSpPr>
-          <p:cNvPr id="2" name="Titel 1"/>
-          <p:cNvSpPr>
-            <a:spLocks noGrp="1"/>
-          </p:cNvSpPr>
-          <p:nvPr>
-            <p:ph type="title"/>
-          </p:nvPr>
-        </p:nvSpPr>
-        <p:spPr/>
-        <p:txBody>
-          <a:bodyPr/>
-          <a:lstStyle/>
-          <a:p>
-            <a:pPr algn="ctr"/>
-            <a:r>
-              <a:rPr lang="de-DE" b="1" dirty="0" err="1" smtClean="0"/>
-              <a:t>Architecture</a:t>
+          <p:cNvPr id="8" name="Titel 7"/>
+          <p:cNvSpPr>
+            <a:spLocks noGrp="1"/>
+          </p:cNvSpPr>
+          <p:nvPr>
+            <p:ph type="ctrTitle"/>
+          </p:nvPr>
+        </p:nvSpPr>
+        <p:spPr/>
+        <p:txBody>
+          <a:bodyPr/>
+          <a:lstStyle/>
+          <a:p>
+            <a:r>
+              <a:rPr lang="de-DE" b="1" dirty="0" smtClean="0"/>
+              <a:t>Framework</a:t>
             </a:r>
             <a:endParaRPr lang="de-DE" b="1" dirty="0"/>
           </a:p>
         </p:txBody>
       </p:sp>
-      <p:pic>
-        <p:nvPicPr>
-          <p:cNvPr id="5" name="Inhaltsplatzhalter 4"/>
-          <p:cNvPicPr>
-            <a:picLocks noGrp="1"/>
-          </p:cNvPicPr>
-          <p:nvPr>
-            <p:ph idx="1"/>
-          </p:nvPr>
-        </p:nvPicPr>
-        <p:blipFill>
-          <a:blip r:embed="rId3"/>
-          <a:stretch/>
-        </p:blipFill>
-        <p:spPr>
-          <a:xfrm>
-            <a:off x="838200" y="1690688"/>
-            <a:ext cx="10515600" cy="4346555"/>
-          </a:xfrm>
-          <a:prstGeom prst="rect">
-            <a:avLst/>
-          </a:prstGeom>
-          <a:ln>
-            <a:noFill/>
-          </a:ln>
-        </p:spPr>
-      </p:pic>
     </p:spTree>
     <p:extLst>
       <p:ext uri="{BB962C8B-B14F-4D97-AF65-F5344CB8AC3E}">
-        <p14:creationId xmlns:p14="http://schemas.microsoft.com/office/powerpoint/2010/main" val="2073399730"/>
+        <p14:creationId xmlns:p14="http://schemas.microsoft.com/office/powerpoint/2010/main" val="1950578236"/>
       </p:ext>
     </p:extLst>
   </p:cSld>
